--- a/MORTAL KOMBAT 12.pptx
+++ b/MORTAL KOMBAT 12.pptx
@@ -9470,7 +9470,7 @@
                 <a:cs typeface="Bree Serif"/>
                 <a:sym typeface="Bree Serif"/>
               </a:rPr>
-              <a:t>Создатели проекта: </a:t>
+              <a:t>Авторы проекта: </a:t>
             </a:r>
             <a:endParaRPr sz="1800">
               <a:solidFill>
